--- a/19-NLP-2.pptx
+++ b/19-NLP-2.pptx
@@ -256,6 +256,11 @@
       </a:defRPr>
     </a:lvl9pPr>
   </p:defaultTextStyle>
+  <p:extLst>
+    <p:ext uri="{EFAFB233-063F-42B5-8137-9DF3F51BA10A}">
+      <p15:sldGuideLst xmlns:p15="http://schemas.microsoft.com/office/powerpoint/2012/main"/>
+    </p:ext>
+  </p:extLst>
 </p:presentation>
 </file>
 
@@ -1247,7 +1252,7 @@
         </p:nvSpPr>
         <p:spPr>
           <a:xfrm>
-            <a:off x="381300" y="685800"/>
+            <a:off x="381000" y="685800"/>
             <a:ext cx="6096000" cy="3429000"/>
           </a:xfrm>
           <a:custGeom>
@@ -8100,10 +8105,10 @@
               <a:buNone/>
             </a:pPr>
             <a:r>
-              <a:rPr lang="en"/>
+              <a:rPr lang="en" dirty="0"/>
               <a:t>print("******** setup vector model **********")</a:t>
             </a:r>
-            <a:endParaRPr/>
+            <a:endParaRPr dirty="0"/>
           </a:p>
           <a:p>
             <a:pPr marL="0" lvl="0" indent="0" rtl="0">
@@ -8116,22 +8121,38 @@
               <a:buNone/>
             </a:pPr>
             <a:r>
-              <a:rPr lang="en">
+              <a:rPr lang="en" dirty="0">
                 <a:solidFill>
                   <a:schemeClr val="dk1"/>
                 </a:solidFill>
               </a:rPr>
-              <a:t>from sklearn.feature_extraction.text import </a:t>
-            </a:r>
-            <a:r>
-              <a:rPr lang="en">
+              <a:t>from </a:t>
+            </a:r>
+            <a:r>
+              <a:rPr lang="en" dirty="0" err="1">
+                <a:solidFill>
+                  <a:schemeClr val="dk1"/>
+                </a:solidFill>
+              </a:rPr>
+              <a:t>sklearn.feature_extraction.text</a:t>
+            </a:r>
+            <a:r>
+              <a:rPr lang="en" dirty="0">
+                <a:solidFill>
+                  <a:schemeClr val="dk1"/>
+                </a:solidFill>
+              </a:rPr>
+              <a:t> import </a:t>
+            </a:r>
+            <a:r>
+              <a:rPr lang="en" dirty="0" err="1">
                 <a:solidFill>
                   <a:srgbClr val="FF0000"/>
                 </a:solidFill>
               </a:rPr>
               <a:t>CountVectorizer</a:t>
             </a:r>
-            <a:endParaRPr>
+            <a:endParaRPr dirty="0">
               <a:solidFill>
                 <a:srgbClr val="FF0000"/>
               </a:solidFill>
@@ -8148,18 +8169,78 @@
               <a:buNone/>
             </a:pPr>
             <a:r>
-              <a:rPr lang="en"/>
-              <a:t>vectorizer = </a:t>
-            </a:r>
-            <a:r>
-              <a:rPr lang="en">
+              <a:rPr lang="en" dirty="0" err="1"/>
+              <a:t>vectorizer</a:t>
+            </a:r>
+            <a:r>
+              <a:rPr lang="en" dirty="0"/>
+              <a:t> = </a:t>
+            </a:r>
+            <a:r>
+              <a:rPr lang="en" dirty="0" err="1">
                 <a:solidFill>
                   <a:srgbClr val="FF0000"/>
                 </a:solidFill>
               </a:rPr>
-              <a:t>CountVectorizer(analyzer = "word", binary = True, min_df=2, stop_words='english')</a:t>
-            </a:r>
-            <a:endParaRPr>
+              <a:t>CountVectorizer</a:t>
+            </a:r>
+            <a:r>
+              <a:rPr lang="en" dirty="0">
+                <a:solidFill>
+                  <a:srgbClr val="FF0000"/>
+                </a:solidFill>
+              </a:rPr>
+              <a:t>(analyzer = "word", binary = True, </a:t>
+            </a:r>
+            <a:r>
+              <a:rPr lang="en" dirty="0" err="1">
+                <a:solidFill>
+                  <a:srgbClr val="FF0000"/>
+                </a:solidFill>
+              </a:rPr>
+              <a:t>min_df</a:t>
+            </a:r>
+            <a:r>
+              <a:rPr lang="en" dirty="0">
+                <a:solidFill>
+                  <a:srgbClr val="FF0000"/>
+                </a:solidFill>
+              </a:rPr>
+              <a:t>=2, </a:t>
+            </a:r>
+            <a:r>
+              <a:rPr lang="en" dirty="0" err="1">
+                <a:solidFill>
+                  <a:srgbClr val="FF0000"/>
+                </a:solidFill>
+              </a:rPr>
+              <a:t>stop_words</a:t>
+            </a:r>
+            <a:r>
+              <a:rPr lang="en" dirty="0">
+                <a:solidFill>
+                  <a:srgbClr val="FF0000"/>
+                </a:solidFill>
+              </a:rPr>
+              <a:t>='</a:t>
+            </a:r>
+            <a:r>
+              <a:rPr lang="en" dirty="0" err="1">
+                <a:solidFill>
+                  <a:srgbClr val="FF0000"/>
+                </a:solidFill>
+              </a:rPr>
+              <a:t>english</a:t>
+            </a:r>
+            <a:r>
+              <a:rPr lang="en" dirty="0">
+                <a:solidFill>
+                  <a:srgbClr val="FF0000"/>
+                </a:solidFill>
+              </a:rPr>
+              <a:t>')</a:t>
+            </a:r>
+            <a:endParaRPr dirty="0">
               <a:solidFill>
                 <a:srgbClr val="FF0000"/>
               </a:solidFill>
@@ -8176,10 +8257,38 @@
               <a:buNone/>
             </a:pPr>
             <a:r>
-              <a:rPr lang="en"/>
-              <a:t>docarray = vectorizer.fit_transform(stemmed_data).toarray()</a:t>
-            </a:r>
-            <a:endParaRPr/>
+              <a:rPr lang="en" dirty="0" err="1"/>
+              <a:t>docarray</a:t>
+            </a:r>
+            <a:r>
+              <a:rPr lang="en" dirty="0"/>
+              <a:t> = </a:t>
+            </a:r>
+            <a:r>
+              <a:rPr lang="en" dirty="0" err="1"/>
+              <a:t>vectorizer.fit_transform</a:t>
+            </a:r>
+            <a:r>
+              <a:rPr lang="en" dirty="0"/>
+              <a:t>(</a:t>
+            </a:r>
+            <a:r>
+              <a:rPr lang="en" dirty="0" err="1"/>
+              <a:t>stemmed_data</a:t>
+            </a:r>
+            <a:r>
+              <a:rPr lang="en" dirty="0"/>
+              <a:t>).</a:t>
+            </a:r>
+            <a:r>
+              <a:rPr lang="en" dirty="0" err="1"/>
+              <a:t>toarray</a:t>
+            </a:r>
+            <a:r>
+              <a:rPr lang="en" dirty="0"/>
+              <a:t>()</a:t>
+            </a:r>
+            <a:endParaRPr dirty="0"/>
           </a:p>
           <a:p>
             <a:pPr marL="0" lvl="0" indent="0" rtl="0">
@@ -8191,7 +8300,7 @@
               </a:spcAft>
               <a:buNone/>
             </a:pPr>
-            <a:endParaRPr/>
+            <a:endParaRPr dirty="0"/>
           </a:p>
           <a:p>
             <a:pPr marL="0" lvl="0" indent="0" rtl="0">
@@ -8204,18 +8313,26 @@
               <a:buNone/>
             </a:pPr>
             <a:r>
-              <a:rPr lang="en"/>
+              <a:rPr lang="en" dirty="0"/>
               <a:t>print("******** model and XV **********")</a:t>
             </a:r>
             <a:br>
-              <a:rPr lang="en"/>
+              <a:rPr lang="en" dirty="0"/>
             </a:br>
             <a:r>
-              <a:rPr lang="en"/>
-              <a:t>from sklearn.naive_bayes import </a:t>
-            </a:r>
-            <a:r>
-              <a:rPr lang="en">
+              <a:rPr lang="en" dirty="0"/>
+              <a:t>from </a:t>
+            </a:r>
+            <a:r>
+              <a:rPr lang="en" dirty="0" err="1"/>
+              <a:t>sklearn.naive_bayes</a:t>
+            </a:r>
+            <a:r>
+              <a:rPr lang="en" dirty="0"/>
+              <a:t> import </a:t>
+            </a:r>
+            <a:r>
+              <a:rPr lang="en" dirty="0" err="1">
                 <a:solidFill>
                   <a:srgbClr val="FF0000"/>
                 </a:solidFill>
@@ -8223,72 +8340,120 @@
               <a:t>MultinomialNB</a:t>
             </a:r>
             <a:r>
-              <a:rPr lang="en"/>
+              <a:rPr lang="en" dirty="0"/>
               <a:t/>
             </a:r>
             <a:br>
-              <a:rPr lang="en"/>
+              <a:rPr lang="en" dirty="0"/>
             </a:br>
             <a:r>
-              <a:rPr lang="en"/>
+              <a:rPr lang="en" dirty="0"/>
               <a:t>model = </a:t>
             </a:r>
             <a:r>
-              <a:rPr lang="en">
+              <a:rPr lang="en" dirty="0" err="1" smtClean="0">
                 <a:solidFill>
                   <a:srgbClr val="FF0000"/>
                 </a:solidFill>
               </a:rPr>
-              <a:t>MultinomialNB(alpha=.01)</a:t>
-            </a:r>
-            <a:r>
-              <a:rPr lang="en"/>
-              <a:t/>
-            </a:r>
-            <a:br>
-              <a:rPr lang="en"/>
-            </a:br>
-            <a:endParaRPr/>
-          </a:p>
-          <a:p>
-            <a:pPr marL="0" lvl="0" indent="0" rtl="0">
-              <a:spcBef>
-                <a:spcPts val="0"/>
-              </a:spcBef>
-              <a:spcAft>
-                <a:spcPts val="0"/>
-              </a:spcAft>
-              <a:buNone/>
-            </a:pPr>
-            <a:r>
-              <a:rPr lang="en"/>
-              <a:t># do the 10-fold cross validation                                                                                 </a:t>
-            </a:r>
-            <a:endParaRPr/>
-          </a:p>
-          <a:p>
-            <a:pPr marL="0" lvl="0" indent="0" rtl="0">
-              <a:spcBef>
-                <a:spcPts val="0"/>
-              </a:spcBef>
-              <a:spcAft>
-                <a:spcPts val="0"/>
-              </a:spcAft>
-              <a:buNone/>
-            </a:pPr>
-            <a:r>
-              <a:rPr lang="en"/>
-              <a:t>scores = </a:t>
-            </a:r>
-            <a:r>
-              <a:rPr lang="en">
+              <a:t>MultinomialNB</a:t>
+            </a:r>
+            <a:r>
+              <a:rPr lang="en" dirty="0" smtClean="0">
                 <a:solidFill>
                   <a:srgbClr val="FF0000"/>
                 </a:solidFill>
               </a:rPr>
-              <a:t>cross_val_score(model, docarray, newsgroups_train.target, cv=10)</a:t>
-            </a:r>
-            <a:endParaRPr>
+              <a:t>()</a:t>
+            </a:r>
+            <a:r>
+              <a:rPr lang="en" dirty="0"/>
+              <a:t/>
+            </a:r>
+            <a:br>
+              <a:rPr lang="en" dirty="0"/>
+            </a:br>
+            <a:endParaRPr dirty="0"/>
+          </a:p>
+          <a:p>
+            <a:pPr marL="0" lvl="0" indent="0" rtl="0">
+              <a:spcBef>
+                <a:spcPts val="0"/>
+              </a:spcBef>
+              <a:spcAft>
+                <a:spcPts val="0"/>
+              </a:spcAft>
+              <a:buNone/>
+            </a:pPr>
+            <a:r>
+              <a:rPr lang="en" dirty="0"/>
+              <a:t># do the 10-fold cross validation                                                                                 </a:t>
+            </a:r>
+            <a:endParaRPr dirty="0"/>
+          </a:p>
+          <a:p>
+            <a:pPr marL="0" lvl="0" indent="0" rtl="0">
+              <a:spcBef>
+                <a:spcPts val="0"/>
+              </a:spcBef>
+              <a:spcAft>
+                <a:spcPts val="0"/>
+              </a:spcAft>
+              <a:buNone/>
+            </a:pPr>
+            <a:r>
+              <a:rPr lang="en" dirty="0"/>
+              <a:t>scores = </a:t>
+            </a:r>
+            <a:r>
+              <a:rPr lang="en" dirty="0" err="1">
+                <a:solidFill>
+                  <a:srgbClr val="FF0000"/>
+                </a:solidFill>
+              </a:rPr>
+              <a:t>cross_val_score</a:t>
+            </a:r>
+            <a:r>
+              <a:rPr lang="en" dirty="0">
+                <a:solidFill>
+                  <a:srgbClr val="FF0000"/>
+                </a:solidFill>
+              </a:rPr>
+              <a:t>(model, </a:t>
+            </a:r>
+            <a:r>
+              <a:rPr lang="en" dirty="0" err="1">
+                <a:solidFill>
+                  <a:srgbClr val="FF0000"/>
+                </a:solidFill>
+              </a:rPr>
+              <a:t>docarray</a:t>
+            </a:r>
+            <a:r>
+              <a:rPr lang="en" dirty="0">
+                <a:solidFill>
+                  <a:srgbClr val="FF0000"/>
+                </a:solidFill>
+              </a:rPr>
+              <a:t>, </a:t>
+            </a:r>
+            <a:r>
+              <a:rPr lang="en" dirty="0" err="1">
+                <a:solidFill>
+                  <a:srgbClr val="FF0000"/>
+                </a:solidFill>
+              </a:rPr>
+              <a:t>newsgroups_train.target</a:t>
+            </a:r>
+            <a:r>
+              <a:rPr lang="en" dirty="0">
+                <a:solidFill>
+                  <a:srgbClr val="FF0000"/>
+                </a:solidFill>
+              </a:rPr>
+              <a:t>, cv=10)</a:t>
+            </a:r>
+            <a:endParaRPr dirty="0">
               <a:solidFill>
                 <a:srgbClr val="FF0000"/>
               </a:solidFill>
@@ -8305,10 +8470,10 @@
               <a:buNone/>
             </a:pPr>
             <a:r>
-              <a:rPr lang="en"/>
+              <a:rPr lang="en" dirty="0"/>
               <a:t>print("Fold Accuracies: {}".format(scores))</a:t>
             </a:r>
-            <a:endParaRPr/>
+            <a:endParaRPr dirty="0"/>
           </a:p>
           <a:p>
             <a:pPr marL="0" lvl="0" indent="0" rtl="0">
@@ -8321,10 +8486,18 @@
               <a:buNone/>
             </a:pPr>
             <a:r>
-              <a:rPr lang="en"/>
-              <a:t>print("XV Accuracy: {: 6.2f}".format(scores.mean()*100))</a:t>
-            </a:r>
-            <a:endParaRPr/>
+              <a:rPr lang="en" dirty="0"/>
+              <a:t>print("XV Accuracy: {: 6.2f}".format(</a:t>
+            </a:r>
+            <a:r>
+              <a:rPr lang="en" dirty="0" err="1"/>
+              <a:t>scores.mean</a:t>
+            </a:r>
+            <a:r>
+              <a:rPr lang="en" dirty="0"/>
+              <a:t>()*100))</a:t>
+            </a:r>
+            <a:endParaRPr dirty="0"/>
           </a:p>
           <a:p>
             <a:pPr marL="0" lvl="0" indent="0" rtl="0">
@@ -8336,7 +8509,7 @@
               </a:spcAft>
               <a:buNone/>
             </a:pPr>
-            <a:endParaRPr/>
+            <a:endParaRPr dirty="0"/>
           </a:p>
           <a:p>
             <a:pPr marL="0" lvl="0" indent="0" rtl="0">
@@ -8348,7 +8521,7 @@
               </a:spcAft>
               <a:buNone/>
             </a:pPr>
-            <a:endParaRPr/>
+            <a:endParaRPr dirty="0"/>
           </a:p>
           <a:p>
             <a:pPr marL="0" lvl="0" indent="0" rtl="0">
@@ -8360,7 +8533,7 @@
               </a:spcAft>
               <a:buNone/>
             </a:pPr>
-            <a:endParaRPr/>
+            <a:endParaRPr dirty="0"/>
           </a:p>
         </p:txBody>
       </p:sp>

--- a/19-NLP-2.pptx
+++ b/19-NLP-2.pptx
@@ -8901,7 +8901,7 @@
         </p:spPr>
         <p:txBody>
           <a:bodyPr spcFirstLastPara="1" wrap="square" lIns="91425" tIns="91425" rIns="91425" bIns="91425" anchor="t" anchorCtr="0">
-            <a:noAutofit/>
+            <a:normAutofit fontScale="85000" lnSpcReduction="20000"/>
           </a:bodyPr>
           <a:lstStyle/>
           <a:p>
@@ -8932,23 +8932,42 @@
             </a:pPr>
             <a:r>
               <a:rPr lang="en" sz="1400" dirty="0"/>
-              <a:t>A training set for this is available here:</a:t>
-            </a:r>
-            <a:br>
-              <a:rPr lang="en" sz="1400" dirty="0"/>
-            </a:br>
-            <a:r>
-              <a:rPr lang="en" sz="1400" dirty="0"/>
-              <a:t>  </a:t>
-            </a:r>
-            <a:r>
-              <a:rPr lang="en" sz="1400" u="sng" dirty="0">
-                <a:solidFill>
-                  <a:schemeClr val="hlink"/>
-                </a:solidFill>
+              <a:t>A training set for this is available here</a:t>
+            </a:r>
+            <a:r>
+              <a:rPr lang="en" sz="1400" dirty="0" smtClean="0"/>
+              <a:t>:</a:t>
+            </a:r>
+            <a:endParaRPr lang="en-US" sz="1400" u="sng" dirty="0" smtClean="0">
+              <a:solidFill>
+                <a:schemeClr val="hlink"/>
+              </a:solidFill>
+            </a:endParaRPr>
+          </a:p>
+          <a:p>
+            <a:pPr marL="0" lvl="0" indent="0">
+              <a:spcBef>
+                <a:spcPts val="1600"/>
+              </a:spcBef>
+              <a:buNone/>
+            </a:pPr>
+            <a:r>
+              <a:rPr lang="en-US" sz="1400" dirty="0">
                 <a:hlinkClick r:id="rId3"/>
               </a:rPr>
-              <a:t>https://github.com/GeorgeMcIntire/fake_real_news_dataset/blob/master/fake_or_real_news.csv.zip</a:t>
+              <a:t>https://</a:t>
+            </a:r>
+            <a:r>
+              <a:rPr lang="en-US" sz="1400" dirty="0" smtClean="0">
+                <a:hlinkClick r:id="rId3"/>
+              </a:rPr>
+              <a:t>raw.githubusercontent.com/lutzhamel/fake-news/master/data/</a:t>
+            </a:r>
+            <a:r>
+              <a:rPr lang="en-US" sz="1400" smtClean="0">
+                <a:hlinkClick r:id="rId3"/>
+              </a:rPr>
+              <a:t>fake_or_real_news.csv</a:t>
             </a:r>
             <a:endParaRPr sz="1400" dirty="0"/>
           </a:p>
@@ -8964,7 +8983,15 @@
             </a:pPr>
             <a:r>
               <a:rPr lang="en" sz="1400" dirty="0"/>
-              <a:t>The fields you are interested in are ‘text’ and ‘label’ with the obvious interpretations</a:t>
+              <a:t>The fields you are interested in are ‘text’ and ‘label’ with the obvious </a:t>
+            </a:r>
+            <a:r>
+              <a:rPr lang="en" sz="1400" dirty="0" smtClean="0"/>
+              <a:t>interpretations</a:t>
+            </a:r>
+            <a:r>
+              <a:rPr lang="en-US" sz="1400" dirty="0" smtClean="0"/>
+              <a:t>. </a:t>
             </a:r>
             <a:endParaRPr sz="1400" dirty="0"/>
           </a:p>
@@ -9028,7 +9055,31 @@
             </a:pPr>
             <a:r>
               <a:rPr lang="en" sz="1400" dirty="0"/>
-              <a:t>The data set contain 11,000 articles (takes a long time to train), you can </a:t>
+              <a:t>The data set </a:t>
+            </a:r>
+            <a:r>
+              <a:rPr lang="en" sz="1400" dirty="0" smtClean="0"/>
+              <a:t>contain</a:t>
+            </a:r>
+            <a:r>
+              <a:rPr lang="en-US" sz="1400" dirty="0" smtClean="0"/>
+              <a:t>s</a:t>
+            </a:r>
+            <a:r>
+              <a:rPr lang="en" sz="1400" dirty="0" smtClean="0"/>
+              <a:t> </a:t>
+            </a:r>
+            <a:r>
+              <a:rPr lang="en-US" sz="1400" dirty="0" smtClean="0"/>
+              <a:t>a large number of</a:t>
+            </a:r>
+            <a:r>
+              <a:rPr lang="en" sz="1400" dirty="0" smtClean="0"/>
+              <a:t> </a:t>
+            </a:r>
+            <a:r>
+              <a:rPr lang="en" sz="1400" dirty="0"/>
+              <a:t>articles (takes a long time to train), you can </a:t>
             </a:r>
             <a:r>
               <a:rPr lang="en" sz="1400" dirty="0" err="1"/>
@@ -9044,15 +9095,42 @@
             </a:r>
             <a:r>
               <a:rPr lang="en" sz="1400" dirty="0"/>
-              <a:t> documentation for </a:t>
-            </a:r>
-            <a:r>
-              <a:rPr lang="en" sz="1400"/>
-              <a:t>sampling</a:t>
-            </a:r>
-            <a:r>
-              <a:rPr lang="en" sz="1400" smtClean="0"/>
+              <a:t> documentation for sampling</a:t>
+            </a:r>
+            <a:r>
+              <a:rPr lang="en" sz="1400" dirty="0" smtClean="0"/>
               <a:t>)</a:t>
+            </a:r>
+            <a:endParaRPr lang="en-US" sz="1400" dirty="0" smtClean="0"/>
+          </a:p>
+          <a:p>
+            <a:pPr marL="0" lvl="0" indent="0">
+              <a:spcBef>
+                <a:spcPts val="1600"/>
+              </a:spcBef>
+              <a:spcAft>
+                <a:spcPts val="0"/>
+              </a:spcAft>
+              <a:buNone/>
+            </a:pPr>
+            <a:r>
+              <a:rPr lang="en-US" sz="1400" dirty="0" smtClean="0"/>
+              <a:t>You are free to pick your own team (max three members)</a:t>
+            </a:r>
+          </a:p>
+          <a:p>
+            <a:pPr marL="0" lvl="0" indent="0">
+              <a:spcBef>
+                <a:spcPts val="1600"/>
+              </a:spcBef>
+              <a:spcAft>
+                <a:spcPts val="0"/>
+              </a:spcAft>
+              <a:buNone/>
+            </a:pPr>
+            <a:r>
+              <a:rPr lang="en-US" sz="1400" dirty="0" smtClean="0"/>
+              <a:t>Extra Credit:  Try the same thing but instead of ‘text’ use ‘title’ for your training text.  How does a classifier built on this data set compare to the original classifier.</a:t>
             </a:r>
             <a:endParaRPr sz="1400" dirty="0"/>
           </a:p>

--- a/19-NLP-2.pptx
+++ b/19-NLP-2.pptx
@@ -8901,14 +8901,11 @@
         </p:spPr>
         <p:txBody>
           <a:bodyPr spcFirstLastPara="1" wrap="square" lIns="91425" tIns="91425" rIns="91425" bIns="91425" anchor="t" anchorCtr="0">
-            <a:normAutofit fontScale="85000" lnSpcReduction="20000"/>
+            <a:normAutofit fontScale="92500" lnSpcReduction="20000"/>
           </a:bodyPr>
           <a:lstStyle/>
           <a:p>
             <a:pPr marL="0" lvl="0" indent="0">
-              <a:spcBef>
-                <a:spcPts val="0"/>
-              </a:spcBef>
               <a:spcAft>
                 <a:spcPts val="0"/>
               </a:spcAft>
@@ -8916,23 +8913,23 @@
             </a:pPr>
             <a:r>
               <a:rPr lang="en" sz="1400" dirty="0"/>
-              <a:t>For this exercise you will build a classifier that can distinguish real news from fake news.</a:t>
-            </a:r>
-            <a:endParaRPr sz="1400" dirty="0"/>
-          </a:p>
-          <a:p>
-            <a:pPr marL="0" lvl="0" indent="0">
-              <a:spcBef>
-                <a:spcPts val="1600"/>
-              </a:spcBef>
-              <a:spcAft>
-                <a:spcPts val="0"/>
-              </a:spcAft>
-              <a:buNone/>
-            </a:pPr>
+              <a:t>For this exercise you will build a classifier that can distinguish real news from fake </a:t>
+            </a:r>
+            <a:r>
+              <a:rPr lang="en" sz="1400" dirty="0" smtClean="0"/>
+              <a:t>news.</a:t>
+            </a:r>
+            <a:r>
+              <a:rPr lang="en-US" sz="1400" dirty="0"/>
+              <a:t> </a:t>
+            </a:r>
+            <a:r>
+              <a:rPr lang="en" sz="1400" dirty="0" smtClean="0"/>
+              <a:t>A </a:t>
+            </a:r>
             <a:r>
               <a:rPr lang="en" sz="1400" dirty="0"/>
-              <a:t>A training set for this is available here</a:t>
+              <a:t>training set for this is available here</a:t>
             </a:r>
             <a:r>
               <a:rPr lang="en" sz="1400" dirty="0" smtClean="0"/>
@@ -8946,9 +8943,6 @@
           </a:p>
           <a:p>
             <a:pPr marL="0" lvl="0" indent="0">
-              <a:spcBef>
-                <a:spcPts val="1600"/>
-              </a:spcBef>
               <a:buNone/>
             </a:pPr>
             <a:r>
@@ -8961,29 +8955,33 @@
               <a:rPr lang="en-US" sz="1400" dirty="0" smtClean="0">
                 <a:hlinkClick r:id="rId3"/>
               </a:rPr>
-              <a:t>raw.githubusercontent.com/lutzhamel/fake-news/master/data/</a:t>
-            </a:r>
-            <a:r>
-              <a:rPr lang="en-US" sz="1400" smtClean="0">
-                <a:hlinkClick r:id="rId3"/>
-              </a:rPr>
-              <a:t>fake_or_real_news.csv</a:t>
+              <a:t>raw.githubusercontent.com/lutzhamel/fake-news/master/data/fake_or_real_news.csv</a:t>
             </a:r>
             <a:endParaRPr sz="1400" dirty="0"/>
           </a:p>
           <a:p>
             <a:pPr marL="0" lvl="0" indent="0">
-              <a:spcBef>
-                <a:spcPts val="1600"/>
-              </a:spcBef>
-              <a:spcAft>
-                <a:spcPts val="0"/>
-              </a:spcAft>
-              <a:buNone/>
-            </a:pPr>
+              <a:spcAft>
+                <a:spcPts val="0"/>
+              </a:spcAft>
+              <a:buNone/>
+            </a:pPr>
+            <a:endParaRPr lang="en-US" sz="1400" dirty="0" smtClean="0"/>
+          </a:p>
+          <a:p>
+            <a:pPr marL="0" lvl="0" indent="0">
+              <a:spcAft>
+                <a:spcPts val="0"/>
+              </a:spcAft>
+              <a:buNone/>
+            </a:pPr>
+            <a:r>
+              <a:rPr lang="en" sz="1400" dirty="0" smtClean="0"/>
+              <a:t>The </a:t>
+            </a:r>
             <a:r>
               <a:rPr lang="en" sz="1400" dirty="0"/>
-              <a:t>The fields you are interested in are ‘text’ and ‘label’ with the obvious </a:t>
+              <a:t>fields you are interested in are ‘text’ and ‘label’ with the obvious </a:t>
             </a:r>
             <a:r>
               <a:rPr lang="en" sz="1400" dirty="0" smtClean="0"/>
@@ -8993,69 +8991,121 @@
               <a:rPr lang="en-US" sz="1400" dirty="0" smtClean="0"/>
               <a:t>. </a:t>
             </a:r>
+          </a:p>
+          <a:p>
+            <a:pPr marL="0" lvl="0" indent="0">
+              <a:spcAft>
+                <a:spcPts val="0"/>
+              </a:spcAft>
+              <a:buNone/>
+            </a:pPr>
+            <a:r>
+              <a:rPr lang="en-US" sz="1400" dirty="0" smtClean="0"/>
+              <a:t>Here are the action items for this exercise:</a:t>
+            </a:r>
+            <a:endParaRPr lang="en-US" sz="1400" dirty="0"/>
+          </a:p>
+          <a:p>
+            <a:pPr marL="285750" indent="-285750"/>
+            <a:r>
+              <a:rPr lang="en" sz="1400" dirty="0" smtClean="0"/>
+              <a:t>Use </a:t>
+            </a:r>
+            <a:r>
+              <a:rPr lang="en" sz="1400" dirty="0"/>
+              <a:t>the vector model and text preprocessing techniques from class to construct a training data </a:t>
+            </a:r>
+            <a:r>
+              <a:rPr lang="en" sz="1400" dirty="0" smtClean="0"/>
+              <a:t>set</a:t>
+            </a:r>
+            <a:r>
+              <a:rPr lang="en-US" sz="1400" dirty="0" smtClean="0"/>
+              <a:t>.</a:t>
+            </a:r>
+          </a:p>
+          <a:p>
+            <a:pPr marL="285750" indent="-285750"/>
+            <a:r>
+              <a:rPr lang="en-US" sz="1400" dirty="0" smtClean="0"/>
+              <a:t>Determine the dimensions of your vector model and print out the first 10 dimensions</a:t>
+            </a:r>
+          </a:p>
+          <a:p>
+            <a:pPr marL="285750" indent="-285750"/>
+            <a:r>
+              <a:rPr lang="en" sz="1400" dirty="0" smtClean="0"/>
+              <a:t>Use </a:t>
+            </a:r>
+            <a:r>
+              <a:rPr lang="en" sz="1400" dirty="0"/>
+              <a:t>that training data set to construct a Naive Bayes classifier.  </a:t>
+            </a:r>
             <a:endParaRPr sz="1400" dirty="0"/>
           </a:p>
           <a:p>
+            <a:pPr marL="285750" indent="-285750"/>
+            <a:r>
+              <a:rPr lang="en" sz="1400" dirty="0"/>
+              <a:t>Use 5 or 10-fold cross-validation to compute the accuracy of your </a:t>
+            </a:r>
+            <a:r>
+              <a:rPr lang="en-US" sz="1400" dirty="0" smtClean="0"/>
+              <a:t>naïve </a:t>
+            </a:r>
+            <a:r>
+              <a:rPr lang="en-US" sz="1400" dirty="0" err="1" smtClean="0"/>
+              <a:t>bayes</a:t>
+            </a:r>
+            <a:r>
+              <a:rPr lang="en-US" sz="1400" dirty="0" smtClean="0"/>
+              <a:t> </a:t>
+            </a:r>
+            <a:r>
+              <a:rPr lang="en" sz="1400" dirty="0" smtClean="0"/>
+              <a:t>classifier.</a:t>
+            </a:r>
+            <a:endParaRPr lang="en-US" sz="1400" dirty="0"/>
+          </a:p>
+          <a:p>
+            <a:pPr marL="285750" indent="-285750"/>
+            <a:r>
+              <a:rPr lang="en-US" sz="1400" dirty="0" smtClean="0"/>
+              <a:t>Try </a:t>
+            </a:r>
+            <a:r>
+              <a:rPr lang="en-US" sz="1400" dirty="0"/>
+              <a:t>your analysis with and without data </a:t>
+            </a:r>
+            <a:r>
+              <a:rPr lang="en-US" sz="1400" dirty="0" smtClean="0"/>
+              <a:t>preprocessing, is there a difference in accuracy of the models.</a:t>
+            </a:r>
+            <a:endParaRPr lang="en-US" sz="1400" dirty="0"/>
+          </a:p>
+          <a:p>
             <a:pPr marL="0" lvl="0" indent="0">
-              <a:spcBef>
-                <a:spcPts val="1600"/>
-              </a:spcBef>
-              <a:spcAft>
-                <a:spcPts val="0"/>
-              </a:spcAft>
-              <a:buNone/>
-            </a:pPr>
+              <a:spcAft>
+                <a:spcPts val="0"/>
+              </a:spcAft>
+              <a:buNone/>
+            </a:pPr>
+            <a:endParaRPr lang="en-US" sz="1400" dirty="0" smtClean="0"/>
+          </a:p>
+          <a:p>
+            <a:pPr marL="0" lvl="0" indent="0">
+              <a:spcAft>
+                <a:spcPts val="0"/>
+              </a:spcAft>
+              <a:buNone/>
+            </a:pPr>
+            <a:r>
+              <a:rPr lang="en" sz="1400" dirty="0" smtClean="0"/>
+              <a:t>The </a:t>
+            </a:r>
             <a:r>
               <a:rPr lang="en" sz="1400" dirty="0"/>
-              <a:t>Use the vector model and text preprocessing techniques from class to construct a training data set</a:t>
-            </a:r>
-            <a:endParaRPr sz="1400" dirty="0"/>
-          </a:p>
-          <a:p>
-            <a:pPr marL="0" lvl="0" indent="0">
-              <a:spcBef>
-                <a:spcPts val="1600"/>
-              </a:spcBef>
-              <a:spcAft>
-                <a:spcPts val="0"/>
-              </a:spcAft>
-              <a:buNone/>
-            </a:pPr>
-            <a:r>
-              <a:rPr lang="en" sz="1400" dirty="0"/>
-              <a:t>Use that training data set to construct a Naive Bayes classifier.  </a:t>
-            </a:r>
-            <a:endParaRPr sz="1400" dirty="0"/>
-          </a:p>
-          <a:p>
-            <a:pPr marL="0" lvl="0" indent="0">
-              <a:spcBef>
-                <a:spcPts val="1600"/>
-              </a:spcBef>
-              <a:spcAft>
-                <a:spcPts val="0"/>
-              </a:spcAft>
-              <a:buNone/>
-            </a:pPr>
-            <a:r>
-              <a:rPr lang="en" sz="1400" dirty="0"/>
-              <a:t>Use 5 or 10-fold cross-validation to compute the accuracy of your classifier.</a:t>
-            </a:r>
-            <a:endParaRPr sz="1400" dirty="0"/>
-          </a:p>
-          <a:p>
-            <a:pPr marL="0" lvl="0" indent="0">
-              <a:spcBef>
-                <a:spcPts val="1600"/>
-              </a:spcBef>
-              <a:spcAft>
-                <a:spcPts val="0"/>
-              </a:spcAft>
-              <a:buNone/>
-            </a:pPr>
-            <a:r>
-              <a:rPr lang="en" sz="1400" dirty="0"/>
-              <a:t>The data set </a:t>
+              <a:t>data set </a:t>
             </a:r>
             <a:r>
               <a:rPr lang="en" sz="1400" dirty="0" smtClean="0"/>
@@ -9105,9 +9155,15 @@
           </a:p>
           <a:p>
             <a:pPr marL="0" lvl="0" indent="0">
-              <a:spcBef>
-                <a:spcPts val="1600"/>
-              </a:spcBef>
+              <a:spcAft>
+                <a:spcPts val="0"/>
+              </a:spcAft>
+              <a:buNone/>
+            </a:pPr>
+            <a:endParaRPr lang="en-US" sz="1400" dirty="0" smtClean="0"/>
+          </a:p>
+          <a:p>
+            <a:pPr marL="0" lvl="0" indent="0">
               <a:spcAft>
                 <a:spcPts val="0"/>
               </a:spcAft>
@@ -9120,17 +9176,27 @@
           </a:p>
           <a:p>
             <a:pPr marL="0" lvl="0" indent="0">
-              <a:spcBef>
-                <a:spcPts val="1600"/>
-              </a:spcBef>
-              <a:spcAft>
-                <a:spcPts val="0"/>
-              </a:spcAft>
-              <a:buNone/>
-            </a:pPr>
+              <a:spcAft>
+                <a:spcPts val="0"/>
+              </a:spcAft>
+              <a:buNone/>
+            </a:pPr>
+            <a:endParaRPr lang="en-US" sz="1400" dirty="0" smtClean="0"/>
+          </a:p>
+          <a:p>
+            <a:pPr marL="0" lvl="0" indent="0">
+              <a:spcAft>
+                <a:spcPts val="0"/>
+              </a:spcAft>
+              <a:buNone/>
+            </a:pPr>
+            <a:r>
+              <a:rPr lang="en-US" sz="1400" b="1" dirty="0" smtClean="0"/>
+              <a:t>Extra Credit:  </a:t>
+            </a:r>
             <a:r>
               <a:rPr lang="en-US" sz="1400" dirty="0" smtClean="0"/>
-              <a:t>Extra Credit:  Try the same thing but instead of ‘text’ use ‘title’ for your training text.  How does a classifier built on this data set compare to the original classifier.</a:t>
+              <a:t>Try the same thing but instead of ‘text’ use ‘title’ for your training text.  How does a classifier built on this data set compare to the original classifier.</a:t>
             </a:r>
             <a:endParaRPr sz="1400" dirty="0"/>
           </a:p>
